--- a/view/catalogo.pptx
+++ b/view/catalogo.pptx
@@ -106,6 +106,11 @@
       </a:defRPr>
     </a:lvl9pPr>
   </p:defaultTextStyle>
+  <p:extLst>
+    <p:ext uri="{EFAFB233-063F-42B5-8137-9DF3F51BA10A}">
+      <p15:sldGuideLst xmlns:p15="http://schemas.microsoft.com/office/powerpoint/2012/main"/>
+    </p:ext>
+  </p:extLst>
 </p:presentation>
 </file>
 
@@ -240,7 +245,7 @@
           <a:p>
             <a:fld id="{3DB3B621-E9DF-4314-87BF-C8AEADC9B314}" type="datetimeFigureOut">
               <a:rPr lang="pt-BR" smtClean="0"/>
-              <a:t>24/04/2024</a:t>
+              <a:t>29/04/2024</a:t>
             </a:fld>
             <a:endParaRPr lang="pt-BR"/>
           </a:p>
@@ -410,7 +415,7 @@
           <a:p>
             <a:fld id="{3DB3B621-E9DF-4314-87BF-C8AEADC9B314}" type="datetimeFigureOut">
               <a:rPr lang="pt-BR" smtClean="0"/>
-              <a:t>24/04/2024</a:t>
+              <a:t>29/04/2024</a:t>
             </a:fld>
             <a:endParaRPr lang="pt-BR"/>
           </a:p>
@@ -590,7 +595,7 @@
           <a:p>
             <a:fld id="{3DB3B621-E9DF-4314-87BF-C8AEADC9B314}" type="datetimeFigureOut">
               <a:rPr lang="pt-BR" smtClean="0"/>
-              <a:t>24/04/2024</a:t>
+              <a:t>29/04/2024</a:t>
             </a:fld>
             <a:endParaRPr lang="pt-BR"/>
           </a:p>
@@ -760,7 +765,7 @@
           <a:p>
             <a:fld id="{3DB3B621-E9DF-4314-87BF-C8AEADC9B314}" type="datetimeFigureOut">
               <a:rPr lang="pt-BR" smtClean="0"/>
-              <a:t>24/04/2024</a:t>
+              <a:t>29/04/2024</a:t>
             </a:fld>
             <a:endParaRPr lang="pt-BR"/>
           </a:p>
@@ -1004,7 +1009,7 @@
           <a:p>
             <a:fld id="{3DB3B621-E9DF-4314-87BF-C8AEADC9B314}" type="datetimeFigureOut">
               <a:rPr lang="pt-BR" smtClean="0"/>
-              <a:t>24/04/2024</a:t>
+              <a:t>29/04/2024</a:t>
             </a:fld>
             <a:endParaRPr lang="pt-BR"/>
           </a:p>
@@ -1236,7 +1241,7 @@
           <a:p>
             <a:fld id="{3DB3B621-E9DF-4314-87BF-C8AEADC9B314}" type="datetimeFigureOut">
               <a:rPr lang="pt-BR" smtClean="0"/>
-              <a:t>24/04/2024</a:t>
+              <a:t>29/04/2024</a:t>
             </a:fld>
             <a:endParaRPr lang="pt-BR"/>
           </a:p>
@@ -1603,7 +1608,7 @@
           <a:p>
             <a:fld id="{3DB3B621-E9DF-4314-87BF-C8AEADC9B314}" type="datetimeFigureOut">
               <a:rPr lang="pt-BR" smtClean="0"/>
-              <a:t>24/04/2024</a:t>
+              <a:t>29/04/2024</a:t>
             </a:fld>
             <a:endParaRPr lang="pt-BR"/>
           </a:p>
@@ -1721,7 +1726,7 @@
           <a:p>
             <a:fld id="{3DB3B621-E9DF-4314-87BF-C8AEADC9B314}" type="datetimeFigureOut">
               <a:rPr lang="pt-BR" smtClean="0"/>
-              <a:t>24/04/2024</a:t>
+              <a:t>29/04/2024</a:t>
             </a:fld>
             <a:endParaRPr lang="pt-BR"/>
           </a:p>
@@ -1816,7 +1821,7 @@
           <a:p>
             <a:fld id="{3DB3B621-E9DF-4314-87BF-C8AEADC9B314}" type="datetimeFigureOut">
               <a:rPr lang="pt-BR" smtClean="0"/>
-              <a:t>24/04/2024</a:t>
+              <a:t>29/04/2024</a:t>
             </a:fld>
             <a:endParaRPr lang="pt-BR"/>
           </a:p>
@@ -2093,7 +2098,7 @@
           <a:p>
             <a:fld id="{3DB3B621-E9DF-4314-87BF-C8AEADC9B314}" type="datetimeFigureOut">
               <a:rPr lang="pt-BR" smtClean="0"/>
-              <a:t>24/04/2024</a:t>
+              <a:t>29/04/2024</a:t>
             </a:fld>
             <a:endParaRPr lang="pt-BR"/>
           </a:p>
@@ -2350,7 +2355,7 @@
           <a:p>
             <a:fld id="{3DB3B621-E9DF-4314-87BF-C8AEADC9B314}" type="datetimeFigureOut">
               <a:rPr lang="pt-BR" smtClean="0"/>
-              <a:t>24/04/2024</a:t>
+              <a:t>29/04/2024</a:t>
             </a:fld>
             <a:endParaRPr lang="pt-BR"/>
           </a:p>
@@ -2563,7 +2568,7 @@
           <a:p>
             <a:fld id="{3DB3B621-E9DF-4314-87BF-C8AEADC9B314}" type="datetimeFigureOut">
               <a:rPr lang="pt-BR" smtClean="0"/>
-              <a:t>24/04/2024</a:t>
+              <a:t>29/04/2024</a:t>
             </a:fld>
             <a:endParaRPr lang="pt-BR"/>
           </a:p>
@@ -3122,10 +3127,10 @@
       </p:sp>
       <p:pic>
         <p:nvPicPr>
-          <p:cNvPr id="7" name="Imagem 6">
+          <p:cNvPr id="3" name="Imagem 2">
             <a:extLst>
               <a:ext uri="{FF2B5EF4-FFF2-40B4-BE49-F238E27FC236}">
-                <a16:creationId xmlns:a16="http://schemas.microsoft.com/office/drawing/2014/main" id="{F8CE3BFB-7D2C-3F5E-32DB-9C9FE76F6662}"/>
+                <a16:creationId xmlns:a16="http://schemas.microsoft.com/office/drawing/2014/main" id="{33070467-4289-4D82-FBA9-CE11FE15710A}"/>
               </a:ext>
             </a:extLst>
           </p:cNvPr>
@@ -3136,6 +3141,13 @@
         </p:nvPicPr>
         <p:blipFill>
           <a:blip r:embed="rId3">
+            <a:duotone>
+              <a:prstClr val="black"/>
+              <a:schemeClr val="accent3">
+                <a:tint val="45000"/>
+                <a:satMod val="400000"/>
+              </a:schemeClr>
+            </a:duotone>
             <a:extLst>
               <a:ext uri="{28A0092B-C50C-407E-A947-70E740481C1C}">
                 <a14:useLocalDpi xmlns:a14="http://schemas.microsoft.com/office/drawing/2010/main" val="0"/>
@@ -3148,8 +3160,8 @@
         </p:blipFill>
         <p:spPr>
           <a:xfrm>
-            <a:off x="1834628" y="4953000"/>
-            <a:ext cx="3220297" cy="1308246"/>
+            <a:off x="2276999" y="4717561"/>
+            <a:ext cx="2304000" cy="2304000"/>
           </a:xfrm>
           <a:prstGeom prst="rect">
             <a:avLst/>
@@ -3674,42 +3686,6 @@
           <a:xfrm>
             <a:off x="1287454" y="2782669"/>
             <a:ext cx="1760826" cy="835024"/>
-          </a:xfrm>
-          <a:prstGeom prst="rect">
-            <a:avLst/>
-          </a:prstGeom>
-        </p:spPr>
-      </p:pic>
-      <p:pic>
-        <p:nvPicPr>
-          <p:cNvPr id="9" name="Imagem 8">
-            <a:extLst>
-              <a:ext uri="{FF2B5EF4-FFF2-40B4-BE49-F238E27FC236}">
-                <a16:creationId xmlns:a16="http://schemas.microsoft.com/office/drawing/2014/main" id="{C56AE1DB-EB39-072C-8AD4-7BEAC2A566EB}"/>
-              </a:ext>
-            </a:extLst>
-          </p:cNvPr>
-          <p:cNvPicPr>
-            <a:picLocks noChangeAspect="1"/>
-          </p:cNvPicPr>
-          <p:nvPr/>
-        </p:nvPicPr>
-        <p:blipFill>
-          <a:blip r:embed="rId5">
-            <a:extLst>
-              <a:ext uri="{28A0092B-C50C-407E-A947-70E740481C1C}">
-                <a14:useLocalDpi xmlns:a14="http://schemas.microsoft.com/office/drawing/2010/main" val="0"/>
-              </a:ext>
-            </a:extLst>
-          </a:blip>
-          <a:stretch>
-            <a:fillRect/>
-          </a:stretch>
-        </p:blipFill>
-        <p:spPr>
-          <a:xfrm>
-            <a:off x="3086380" y="2782668"/>
-            <a:ext cx="835025" cy="835025"/>
           </a:xfrm>
           <a:prstGeom prst="rect">
             <a:avLst/>
